--- a/AzureContainerApps.pptx
+++ b/AzureContainerApps.pptx
@@ -16,16 +16,16 @@
   <p:sldIdLst>
     <p:sldId id="256" r:id="rId8"/>
     <p:sldId id="258" r:id="rId9"/>
-    <p:sldId id="262" r:id="rId10"/>
+    <p:sldId id="279" r:id="rId10"/>
     <p:sldId id="263" r:id="rId11"/>
     <p:sldId id="270" r:id="rId12"/>
     <p:sldId id="272" r:id="rId13"/>
     <p:sldId id="271" r:id="rId14"/>
-    <p:sldId id="275" r:id="rId15"/>
-    <p:sldId id="276" r:id="rId16"/>
-    <p:sldId id="277" r:id="rId17"/>
-    <p:sldId id="266" r:id="rId18"/>
-    <p:sldId id="278" r:id="rId19"/>
+    <p:sldId id="278" r:id="rId15"/>
+    <p:sldId id="275" r:id="rId16"/>
+    <p:sldId id="276" r:id="rId17"/>
+    <p:sldId id="277" r:id="rId18"/>
+    <p:sldId id="266" r:id="rId19"/>
     <p:sldId id="261" r:id="rId20"/>
     <p:sldId id="273" r:id="rId21"/>
     <p:sldId id="257" r:id="rId22"/>
@@ -435,7 +435,7 @@
           <a:p>
             <a:fld id="{D0E71022-6B7A-45E4-B9B7-5901F43FE7CF}" type="datetimeFigureOut">
               <a:rPr lang="en-US" smtClean="0"/>
-              <a:t>2/10/23</a:t>
+              <a:t>4/15/23</a:t>
             </a:fld>
             <a:endParaRPr lang="en-US"/>
           </a:p>
@@ -759,7 +759,7 @@
           <a:p>
             <a:fld id="{02DE17F4-D0D5-4E2C-8597-85C7BFE7AC0B}" type="datetime1">
               <a:rPr lang="pl-PL" smtClean="0"/>
-              <a:t>10.02.2023</a:t>
+              <a:t>15.04.2023</a:t>
             </a:fld>
             <a:endParaRPr lang="pl-PL" dirty="0"/>
           </a:p>
@@ -886,7 +886,7 @@
           <a:p>
             <a:fld id="{EBE8B8AC-E676-48F8-AA3A-5144F7A8CFD4}" type="datetime1">
               <a:rPr lang="pl-PL" smtClean="0"/>
-              <a:t>10.02.2023</a:t>
+              <a:t>15.04.2023</a:t>
             </a:fld>
             <a:endParaRPr lang="pl-PL" dirty="0"/>
           </a:p>
@@ -1224,7 +1224,7 @@
           <a:p>
             <a:fld id="{1B889DEC-8DF2-4E23-8749-BD25642BBF79}" type="datetime1">
               <a:rPr lang="pl-PL" smtClean="0"/>
-              <a:t>10.02.2023</a:t>
+              <a:t>15.04.2023</a:t>
             </a:fld>
             <a:endParaRPr lang="pl-PL" dirty="0"/>
           </a:p>
@@ -1544,7 +1544,7 @@
           <a:p>
             <a:fld id="{259DE82B-45A7-4884-9098-6241AA462119}" type="datetime1">
               <a:rPr lang="pl-PL" smtClean="0"/>
-              <a:t>10.02.2023</a:t>
+              <a:t>15.04.2023</a:t>
             </a:fld>
             <a:endParaRPr lang="pl-PL" dirty="0"/>
           </a:p>
@@ -1864,7 +1864,7 @@
           <a:p>
             <a:fld id="{885B33CE-67A7-4E67-8443-B8E3862ACA72}" type="datetime1">
               <a:rPr lang="pl-PL" smtClean="0"/>
-              <a:t>10.02.2023</a:t>
+              <a:t>15.04.2023</a:t>
             </a:fld>
             <a:endParaRPr lang="pl-PL" dirty="0"/>
           </a:p>
@@ -2086,7 +2086,7 @@
           <a:p>
             <a:fld id="{5E6DC864-14DF-4052-8C78-12E41B59E1E2}" type="datetime1">
               <a:rPr lang="pl-PL" smtClean="0"/>
-              <a:t>10.02.2023</a:t>
+              <a:t>15.04.2023</a:t>
             </a:fld>
             <a:endParaRPr lang="pl-PL" dirty="0"/>
           </a:p>
@@ -2213,7 +2213,7 @@
           <a:p>
             <a:fld id="{4FA73C87-E8FB-442F-BC6A-98CBB5A89EF0}" type="datetime1">
               <a:rPr lang="pl-PL" smtClean="0"/>
-              <a:t>10.02.2023</a:t>
+              <a:t>15.04.2023</a:t>
             </a:fld>
             <a:endParaRPr lang="pl-PL" dirty="0"/>
           </a:p>
@@ -2418,7 +2418,7 @@
           <a:p>
             <a:fld id="{30823703-2223-488E-ABAD-9B8A394F9C0A}" type="datetime1">
               <a:rPr lang="pl-PL" smtClean="0"/>
-              <a:t>10.02.2023</a:t>
+              <a:t>15.04.2023</a:t>
             </a:fld>
             <a:endParaRPr lang="pl-PL" dirty="0"/>
           </a:p>
@@ -2946,7 +2946,7 @@
           <a:p>
             <a:fld id="{A28A6506-CC09-4B4B-A8E7-4DBBA09707C2}" type="datetime1">
               <a:rPr lang="pl-PL" smtClean="0"/>
-              <a:t>10.02.2023</a:t>
+              <a:t>15.04.2023</a:t>
             </a:fld>
             <a:endParaRPr lang="pl-PL" dirty="0"/>
           </a:p>
@@ -3149,7 +3149,7 @@
           <a:p>
             <a:fld id="{BA01875E-C1E7-4E10-821D-4F6DFAE23E8F}" type="datetime1">
               <a:rPr lang="pl-PL" smtClean="0"/>
-              <a:t>10.02.2023</a:t>
+              <a:t>15.04.2023</a:t>
             </a:fld>
             <a:endParaRPr lang="pl-PL" dirty="0"/>
           </a:p>
@@ -3780,7 +3780,7 @@
           <a:p>
             <a:fld id="{76688D13-9515-48D8-BEE2-06F436BECAC6}" type="datetime1">
               <a:rPr lang="pl-PL" smtClean="0"/>
-              <a:t>10.02.2023</a:t>
+              <a:t>15.04.2023</a:t>
             </a:fld>
             <a:endParaRPr lang="pl-PL" dirty="0"/>
           </a:p>
@@ -4729,7 +4729,7 @@
           <a:p>
             <a:fld id="{F6F0DBF2-4E3F-4307-827E-F931818B4557}" type="datetime1">
               <a:rPr lang="pl-PL" smtClean="0"/>
-              <a:t>10.02.2023</a:t>
+              <a:t>15.04.2023</a:t>
             </a:fld>
             <a:endParaRPr lang="pl-PL" dirty="0"/>
           </a:p>
@@ -5626,7 +5626,7 @@
           <a:p>
             <a:fld id="{FC15615B-3397-4817-B3F7-A5049430E3CF}" type="datetime1">
               <a:rPr lang="pl-PL" smtClean="0"/>
-              <a:t>10.02.2023</a:t>
+              <a:t>15.04.2023</a:t>
             </a:fld>
             <a:endParaRPr lang="pl-PL" dirty="0"/>
           </a:p>
@@ -6209,7 +6209,7 @@
           <a:p>
             <a:fld id="{02DE17F4-D0D5-4E2C-8597-85C7BFE7AC0B}" type="datetime1">
               <a:rPr lang="pl-PL" smtClean="0"/>
-              <a:t>10.02.2023</a:t>
+              <a:t>15.04.2023</a:t>
             </a:fld>
             <a:endParaRPr lang="pl-PL" dirty="0"/>
           </a:p>
@@ -6411,7 +6411,7 @@
           <a:p>
             <a:fld id="{BC59C5A1-DBBF-4148-A6C6-1DD550EA75A0}" type="datetime1">
               <a:rPr lang="pl-PL" smtClean="0"/>
-              <a:t>10.02.2023</a:t>
+              <a:t>15.04.2023</a:t>
             </a:fld>
             <a:endParaRPr lang="pl-PL" dirty="0"/>
           </a:p>
@@ -6608,7 +6608,7 @@
           <a:p>
             <a:fld id="{AFE9358E-D422-45EA-A25B-E5B5E8030CD5}" type="datetime1">
               <a:rPr lang="pl-PL" smtClean="0"/>
-              <a:t>10.02.2023</a:t>
+              <a:t>15.04.2023</a:t>
             </a:fld>
             <a:endParaRPr lang="pl-PL" dirty="0"/>
           </a:p>
@@ -6801,7 +6801,7 @@
           <a:p>
             <a:fld id="{5E9A3DEB-38C9-4CDA-9E0B-B7C013BC93C6}" type="datetime1">
               <a:rPr lang="pl-PL" smtClean="0"/>
-              <a:t>10.02.2023</a:t>
+              <a:t>15.04.2023</a:t>
             </a:fld>
             <a:endParaRPr lang="pl-PL" dirty="0"/>
           </a:p>
@@ -6928,7 +6928,7 @@
           <a:p>
             <a:fld id="{CB263EDE-AF05-4911-9A9C-299887B1DD3E}" type="datetime1">
               <a:rPr lang="pl-PL" smtClean="0"/>
-              <a:t>10.02.2023</a:t>
+              <a:t>15.04.2023</a:t>
             </a:fld>
             <a:endParaRPr lang="pl-PL" dirty="0"/>
           </a:p>
@@ -7098,7 +7098,7 @@
           <a:p>
             <a:fld id="{3791034D-33CB-43D8-A2C7-8F3B690B583C}" type="datetime1">
               <a:rPr lang="pl-PL" smtClean="0"/>
-              <a:t>10.02.2023</a:t>
+              <a:t>15.04.2023</a:t>
             </a:fld>
             <a:endParaRPr lang="pl-PL" dirty="0"/>
           </a:p>
@@ -7386,7 +7386,7 @@
           <a:p>
             <a:fld id="{5D7D2D02-FF3B-48E0-9309-04F108A5B15B}" type="datetime1">
               <a:rPr lang="pl-PL" smtClean="0"/>
-              <a:t>10.02.2023</a:t>
+              <a:t>15.04.2023</a:t>
             </a:fld>
             <a:endParaRPr lang="pl-PL" dirty="0"/>
           </a:p>
@@ -7622,7 +7622,7 @@
           <a:p>
             <a:fld id="{69AB701E-0E50-4D26-8675-EAEADD1F525A}" type="datetime1">
               <a:rPr lang="pl-PL" smtClean="0"/>
-              <a:t>10.02.2023</a:t>
+              <a:t>15.04.2023</a:t>
             </a:fld>
             <a:endParaRPr lang="pl-PL" dirty="0"/>
           </a:p>
@@ -7867,7 +7867,7 @@
           <a:p>
             <a:fld id="{EBE8B8AC-E676-48F8-AA3A-5144F7A8CFD4}" type="datetime1">
               <a:rPr lang="pl-PL" smtClean="0"/>
-              <a:t>10.02.2023</a:t>
+              <a:t>15.04.2023</a:t>
             </a:fld>
             <a:endParaRPr lang="pl-PL" dirty="0"/>
           </a:p>
@@ -8238,7 +8238,7 @@
           <a:p>
             <a:fld id="{7373F14A-FC7E-480B-822C-BA8C5DA615C0}" type="datetime1">
               <a:rPr lang="pl-PL" smtClean="0"/>
-              <a:t>10.02.2023</a:t>
+              <a:t>15.04.2023</a:t>
             </a:fld>
             <a:endParaRPr lang="pl-PL" dirty="0"/>
           </a:p>
@@ -8365,7 +8365,7 @@
           <a:p>
             <a:fld id="{08D11E80-A8F8-4E0A-94A9-E1D739A99745}" type="datetime1">
               <a:rPr lang="pl-PL" smtClean="0"/>
-              <a:t>10.02.2023</a:t>
+              <a:t>15.04.2023</a:t>
             </a:fld>
             <a:endParaRPr lang="pl-PL" dirty="0"/>
           </a:p>
@@ -8663,7 +8663,7 @@
           <a:p>
             <a:fld id="{EBE8B8AC-E676-48F8-AA3A-5144F7A8CFD4}" type="datetime1">
               <a:rPr lang="pl-PL" smtClean="0"/>
-              <a:t>10.02.2023</a:t>
+              <a:t>15.04.2023</a:t>
             </a:fld>
             <a:endParaRPr lang="pl-PL" dirty="0"/>
           </a:p>
@@ -9006,7 +9006,7 @@
           <a:p>
             <a:fld id="{B300B930-CDD4-45ED-A733-500AD9448824}" type="datetime1">
               <a:rPr lang="pl-PL" smtClean="0"/>
-              <a:t>10.02.2023</a:t>
+              <a:t>15.04.2023</a:t>
             </a:fld>
             <a:endParaRPr lang="pl-PL" dirty="0"/>
           </a:p>
@@ -9206,7 +9206,7 @@
           <a:p>
             <a:fld id="{6CE6790C-7F58-437C-BE64-07F277D655C9}" type="datetime1">
               <a:rPr lang="pl-PL" smtClean="0"/>
-              <a:t>10.02.2023</a:t>
+              <a:t>15.04.2023</a:t>
             </a:fld>
             <a:endParaRPr lang="pl-PL" dirty="0"/>
           </a:p>
@@ -9524,7 +9524,7 @@
           <a:p>
             <a:fld id="{BAE9C0E9-A531-4B15-BC93-F1CE2AE90D37}" type="datetime1">
               <a:rPr lang="pl-PL" smtClean="0"/>
-              <a:t>10.02.2023</a:t>
+              <a:t>15.04.2023</a:t>
             </a:fld>
             <a:endParaRPr lang="pl-PL" dirty="0"/>
           </a:p>
@@ -9865,7 +9865,7 @@
           <a:p>
             <a:fld id="{7621CEE4-DDDD-421C-9C7F-7DAF72FB5A7F}" type="datetime1">
               <a:rPr lang="pl-PL" smtClean="0"/>
-              <a:t>10.02.2023</a:t>
+              <a:t>15.04.2023</a:t>
             </a:fld>
             <a:endParaRPr lang="pl-PL" dirty="0"/>
           </a:p>
@@ -9992,7 +9992,7 @@
           <a:p>
             <a:fld id="{C6CC4C66-0804-4DF4-B0F9-F8D910A4D372}" type="datetime1">
               <a:rPr lang="pl-PL" smtClean="0"/>
-              <a:t>10.02.2023</a:t>
+              <a:t>15.04.2023</a:t>
             </a:fld>
             <a:endParaRPr lang="pl-PL" dirty="0"/>
           </a:p>
@@ -10195,7 +10195,7 @@
           <a:p>
             <a:fld id="{17174030-1E6A-4EF9-9DF8-37826713E649}" type="datetime1">
               <a:rPr lang="pl-PL" smtClean="0"/>
-              <a:t>10.02.2023</a:t>
+              <a:t>15.04.2023</a:t>
             </a:fld>
             <a:endParaRPr lang="pl-PL" dirty="0"/>
           </a:p>
@@ -10718,7 +10718,7 @@
           <a:p>
             <a:fld id="{9E9901F9-4EEA-4F8B-9F86-7990BD8C43AC}" type="datetime1">
               <a:rPr lang="pl-PL" smtClean="0"/>
-              <a:t>10.02.2023</a:t>
+              <a:t>15.04.2023</a:t>
             </a:fld>
             <a:endParaRPr lang="pl-PL" dirty="0"/>
           </a:p>
@@ -10931,7 +10931,7 @@
           <a:p>
             <a:fld id="{90C5433F-6ACC-4057-8086-FC651611E050}" type="datetime1">
               <a:rPr lang="pl-PL" smtClean="0"/>
-              <a:t>10.02.2023</a:t>
+              <a:t>15.04.2023</a:t>
             </a:fld>
             <a:endParaRPr lang="pl-PL" dirty="0"/>
           </a:p>
@@ -11157,7 +11157,7 @@
           <a:p>
             <a:fld id="{42A9F3EC-C24C-4081-BA47-5E7F86AA3CE6}" type="datetime1">
               <a:rPr lang="pl-PL" smtClean="0"/>
-              <a:t>10.02.2023</a:t>
+              <a:t>15.04.2023</a:t>
             </a:fld>
             <a:endParaRPr lang="pl-PL" dirty="0"/>
           </a:p>
@@ -11335,7 +11335,7 @@
           <a:p>
             <a:fld id="{59D8E912-E177-42A1-BDC4-58DAF0810601}" type="datetime1">
               <a:rPr lang="pl-PL" smtClean="0"/>
-              <a:t>10.02.2023</a:t>
+              <a:t>15.04.2023</a:t>
             </a:fld>
             <a:endParaRPr lang="pl-PL" dirty="0"/>
           </a:p>
@@ -11582,7 +11582,7 @@
           <a:p>
             <a:fld id="{A8F1AA29-CAB4-4FE6-AD6E-47A9E0B066F9}" type="datetime1">
               <a:rPr lang="pl-PL" smtClean="0"/>
-              <a:t>10.02.2023</a:t>
+              <a:t>15.04.2023</a:t>
             </a:fld>
             <a:endParaRPr lang="pl-PL" dirty="0"/>
           </a:p>
@@ -12482,7 +12482,7 @@
           <a:p>
             <a:fld id="{C538C94D-102E-4974-8B73-6FAF556A6B02}" type="datetime1">
               <a:rPr lang="pl-PL" smtClean="0"/>
-              <a:t>10.02.2023</a:t>
+              <a:t>15.04.2023</a:t>
             </a:fld>
             <a:endParaRPr lang="pl-PL" dirty="0"/>
           </a:p>
@@ -13067,7 +13067,7 @@
           <a:p>
             <a:fld id="{2513877E-F050-490E-B8CE-9C0B66BB2971}" type="datetime1">
               <a:rPr lang="pl-PL" smtClean="0"/>
-              <a:t>10.02.2023</a:t>
+              <a:t>15.04.2023</a:t>
             </a:fld>
             <a:endParaRPr lang="pl-PL" dirty="0"/>
           </a:p>
@@ -13710,7 +13710,7 @@
           <a:p>
             <a:fld id="{D5BF2FED-DC9A-4A21-9CEE-87D695946118}" type="datetime1">
               <a:rPr lang="pl-PL" smtClean="0"/>
-              <a:t>10.02.2023</a:t>
+              <a:t>15.04.2023</a:t>
             </a:fld>
             <a:endParaRPr lang="pl-PL" dirty="0"/>
           </a:p>
@@ -14647,7 +14647,7 @@
           </a:ln>
           <a:extLst>
             <a:ext uri="{C572A759-6A51-4108-AA02-DFA0A04FC94B}">
-              <ma14:wrappingTextBoxFlag xmlns:ma14="http://schemas.microsoft.com/office/mac/drawingml/2011/main" xmlns:a14="http://schemas.microsoft.com/office/drawing/2010/main" xmlns:m="http://schemas.openxmlformats.org/officeDocument/2006/math" xmlns="" val="1"/>
+              <ma14:wrappingTextBoxFlag xmlns="" xmlns:m="http://schemas.openxmlformats.org/officeDocument/2006/math" xmlns:a14="http://schemas.microsoft.com/office/drawing/2010/main" xmlns:ma14="http://schemas.microsoft.com/office/mac/drawingml/2011/main" val="1"/>
             </a:ext>
           </a:extLst>
         </p:spPr>
@@ -14972,7 +14972,7 @@
           </a:ln>
           <a:extLst>
             <a:ext uri="{C572A759-6A51-4108-AA02-DFA0A04FC94B}">
-              <ma14:wrappingTextBoxFlag xmlns="" xmlns:m="http://schemas.openxmlformats.org/officeDocument/2006/math" xmlns:a14="http://schemas.microsoft.com/office/drawing/2010/main" xmlns:ma14="http://schemas.microsoft.com/office/mac/drawingml/2011/main" val="1"/>
+              <ma14:wrappingTextBoxFlag xmlns:ma14="http://schemas.microsoft.com/office/mac/drawingml/2011/main" xmlns:a14="http://schemas.microsoft.com/office/drawing/2010/main" xmlns:m="http://schemas.openxmlformats.org/officeDocument/2006/math" xmlns="" val="1"/>
             </a:ext>
           </a:extLst>
         </p:spPr>
@@ -15333,7 +15333,7 @@
           <a:p>
             <a:fld id="{907FD946-187B-41A2-9D40-F6F11A81833B}" type="datetime1">
               <a:rPr lang="pl-PL" smtClean="0"/>
-              <a:t>10.02.2023</a:t>
+              <a:t>15.04.2023</a:t>
             </a:fld>
             <a:endParaRPr lang="pl-PL" dirty="0"/>
           </a:p>
@@ -15621,7 +15621,7 @@
           <a:p>
             <a:fld id="{5D7D2D02-FF3B-48E0-9309-04F108A5B15B}" type="datetime1">
               <a:rPr lang="pl-PL" smtClean="0"/>
-              <a:t>10.02.2023</a:t>
+              <a:t>15.04.2023</a:t>
             </a:fld>
             <a:endParaRPr lang="pl-PL" dirty="0"/>
           </a:p>
@@ -15856,7 +15856,7 @@
           <a:p>
             <a:fld id="{5D7D2D02-FF3B-48E0-9309-04F108A5B15B}" type="datetime1">
               <a:rPr lang="pl-PL" smtClean="0"/>
-              <a:t>10.02.2023</a:t>
+              <a:t>15.04.2023</a:t>
             </a:fld>
             <a:endParaRPr lang="pl-PL" dirty="0"/>
           </a:p>
@@ -16026,7 +16026,7 @@
           <a:p>
             <a:fld id="{DA7CBB30-D832-4AFC-867F-117970C9C65F}" type="datetime1">
               <a:rPr lang="pl-PL" smtClean="0"/>
-              <a:t>10.02.2023</a:t>
+              <a:t>15.04.2023</a:t>
             </a:fld>
             <a:endParaRPr lang="pl-PL" dirty="0"/>
           </a:p>
@@ -16271,7 +16271,7 @@
           <a:p>
             <a:fld id="{EBE8B8AC-E676-48F8-AA3A-5144F7A8CFD4}" type="datetime1">
               <a:rPr lang="pl-PL" smtClean="0"/>
-              <a:t>10.02.2023</a:t>
+              <a:t>15.04.2023</a:t>
             </a:fld>
             <a:endParaRPr lang="pl-PL" dirty="0"/>
           </a:p>
@@ -16571,7 +16571,7 @@
           </a:ln>
           <a:extLst>
             <a:ext uri="{C572A759-6A51-4108-AA02-DFA0A04FC94B}">
-              <ma14:wrappingTextBoxFlag xmlns="" xmlns:m="http://schemas.openxmlformats.org/officeDocument/2006/math" xmlns:a14="http://schemas.microsoft.com/office/drawing/2010/main" xmlns:ma14="http://schemas.microsoft.com/office/mac/drawingml/2011/main" val="1"/>
+              <ma14:wrappingTextBoxFlag xmlns:ma14="http://schemas.microsoft.com/office/mac/drawingml/2011/main" xmlns:a14="http://schemas.microsoft.com/office/drawing/2010/main" xmlns:m="http://schemas.openxmlformats.org/officeDocument/2006/math" xmlns="" val="1"/>
             </a:ext>
           </a:extLst>
         </p:spPr>
@@ -16643,7 +16643,7 @@
           <a:p>
             <a:fld id="{A8AD308A-F818-43E1-AA9E-31340C71C4CE}" type="datetime1">
               <a:rPr lang="pl-PL" smtClean="0"/>
-              <a:t>10.02.2023</a:t>
+              <a:t>15.04.2023</a:t>
             </a:fld>
             <a:endParaRPr lang="pl-PL" dirty="0"/>
           </a:p>
@@ -17156,7 +17156,7 @@
           </a:ln>
           <a:extLst>
             <a:ext uri="{C572A759-6A51-4108-AA02-DFA0A04FC94B}">
-              <ma14:wrappingTextBoxFlag xmlns:ma14="http://schemas.microsoft.com/office/mac/drawingml/2011/main" xmlns:a14="http://schemas.microsoft.com/office/drawing/2010/main" xmlns:m="http://schemas.openxmlformats.org/officeDocument/2006/math" xmlns="" val="1"/>
+              <ma14:wrappingTextBoxFlag xmlns="" xmlns:m="http://schemas.openxmlformats.org/officeDocument/2006/math" xmlns:a14="http://schemas.microsoft.com/office/drawing/2010/main" xmlns:ma14="http://schemas.microsoft.com/office/mac/drawingml/2011/main" val="1"/>
             </a:ext>
           </a:extLst>
         </p:spPr>
@@ -17230,7 +17230,7 @@
           <a:p>
             <a:fld id="{D007E138-AC37-4861-BC47-87038394AEE5}" type="datetime1">
               <a:rPr lang="pl-PL" smtClean="0"/>
-              <a:t>10.02.2023</a:t>
+              <a:t>15.04.2023</a:t>
             </a:fld>
             <a:endParaRPr lang="pl-PL" dirty="0"/>
           </a:p>
@@ -18450,7 +18450,7 @@
           <a:p>
             <a:fld id="{02DE17F4-D0D5-4E2C-8597-85C7BFE7AC0B}" type="datetime1">
               <a:rPr lang="pl-PL" smtClean="0"/>
-              <a:t>10.02.2023</a:t>
+              <a:t>15.04.2023</a:t>
             </a:fld>
             <a:endParaRPr lang="pl-PL" dirty="0"/>
           </a:p>
@@ -18607,7 +18607,7 @@
                   <a:spcPts val="600"/>
                 </a:spcAft>
               </a:pPr>
-              <a:t>10.02.2023</a:t>
+              <a:t>15.04.2023</a:t>
             </a:fld>
             <a:endParaRPr lang="pl-PL"/>
           </a:p>
@@ -18750,7 +18750,7 @@
         <p:spPr bwMode="auto">
           <a:xfrm>
             <a:off x="7251231" y="2362262"/>
-            <a:ext cx="16191136" cy="8995075"/>
+            <a:ext cx="16191136" cy="8995076"/>
           </a:xfrm>
           <a:prstGeom prst="rect">
             <a:avLst/>
@@ -18810,7 +18810,7 @@
     </p:spTree>
     <p:extLst>
       <p:ext uri="{BB962C8B-B14F-4D97-AF65-F5344CB8AC3E}">
-        <p14:creationId xmlns:p14="http://schemas.microsoft.com/office/powerpoint/2010/main" val="1280551766"/>
+        <p14:creationId xmlns:p14="http://schemas.microsoft.com/office/powerpoint/2010/main" val="2316189571"/>
       </p:ext>
     </p:extLst>
   </p:cSld>
@@ -18839,6 +18839,282 @@
       </p:grpSpPr>
       <p:sp>
         <p:nvSpPr>
+          <p:cNvPr id="4" name="Symbol zastępczy daty 3">
+            <a:extLst>
+              <a:ext uri="{FF2B5EF4-FFF2-40B4-BE49-F238E27FC236}">
+                <a16:creationId xmlns:a16="http://schemas.microsoft.com/office/drawing/2014/main" id="{3B38A024-4954-9CBD-C820-13946D33B995}"/>
+              </a:ext>
+            </a:extLst>
+          </p:cNvPr>
+          <p:cNvSpPr>
+            <a:spLocks noGrp="1"/>
+          </p:cNvSpPr>
+          <p:nvPr>
+            <p:ph type="dt" sz="half" idx="15"/>
+          </p:nvPr>
+        </p:nvSpPr>
+        <p:spPr>
+          <a:xfrm>
+            <a:off x="22690800" y="583200"/>
+            <a:ext cx="1072800" cy="201600"/>
+          </a:xfrm>
+        </p:spPr>
+        <p:txBody>
+          <a:bodyPr anchor="t">
+            <a:normAutofit/>
+          </a:bodyPr>
+          <a:lstStyle/>
+          <a:p>
+            <a:pPr>
+              <a:lnSpc>
+                <a:spcPct val="90000"/>
+              </a:lnSpc>
+              <a:spcAft>
+                <a:spcPts val="600"/>
+              </a:spcAft>
+            </a:pPr>
+            <a:fld id="{5D7D2D02-FF3B-48E0-9309-04F108A5B15B}" type="datetime1">
+              <a:rPr lang="pl-PL" smtClean="0"/>
+              <a:pPr>
+                <a:lnSpc>
+                  <a:spcPct val="90000"/>
+                </a:lnSpc>
+                <a:spcAft>
+                  <a:spcPts val="600"/>
+                </a:spcAft>
+              </a:pPr>
+              <a:t>15.04.2023</a:t>
+            </a:fld>
+            <a:endParaRPr lang="pl-PL"/>
+          </a:p>
+        </p:txBody>
+      </p:sp>
+      <p:sp>
+        <p:nvSpPr>
+          <p:cNvPr id="5" name="Symbol zastępczy stopki 4">
+            <a:extLst>
+              <a:ext uri="{FF2B5EF4-FFF2-40B4-BE49-F238E27FC236}">
+                <a16:creationId xmlns:a16="http://schemas.microsoft.com/office/drawing/2014/main" id="{E4F06D55-7C30-A5A3-C527-2D67CAAC2A58}"/>
+              </a:ext>
+            </a:extLst>
+          </p:cNvPr>
+          <p:cNvSpPr>
+            <a:spLocks noGrp="1"/>
+          </p:cNvSpPr>
+          <p:nvPr>
+            <p:ph type="ftr" sz="quarter" idx="16"/>
+          </p:nvPr>
+        </p:nvSpPr>
+        <p:spPr>
+          <a:xfrm>
+            <a:off x="6707782" y="583200"/>
+            <a:ext cx="10440000" cy="432000"/>
+          </a:xfrm>
+        </p:spPr>
+        <p:txBody>
+          <a:bodyPr anchor="t">
+            <a:normAutofit/>
+          </a:bodyPr>
+          <a:lstStyle/>
+          <a:p>
+            <a:r>
+              <a:rPr lang="pl-PL" dirty="0" err="1"/>
+              <a:t>Azure</a:t>
+            </a:r>
+            <a:r>
+              <a:rPr lang="pl-PL" dirty="0"/>
+              <a:t> </a:t>
+            </a:r>
+            <a:r>
+              <a:rPr lang="pl-PL" dirty="0" err="1"/>
+              <a:t>container</a:t>
+            </a:r>
+            <a:r>
+              <a:rPr lang="pl-PL" dirty="0"/>
+              <a:t> </a:t>
+            </a:r>
+            <a:r>
+              <a:rPr lang="pl-PL" dirty="0" err="1"/>
+              <a:t>apps</a:t>
+            </a:r>
+            <a:endParaRPr lang="en-US" dirty="0"/>
+          </a:p>
+          <a:p>
+            <a:pPr>
+              <a:lnSpc>
+                <a:spcPct val="90000"/>
+              </a:lnSpc>
+              <a:spcAft>
+                <a:spcPts val="600"/>
+              </a:spcAft>
+            </a:pPr>
+            <a:endParaRPr lang="pl-PL" dirty="0"/>
+          </a:p>
+        </p:txBody>
+      </p:sp>
+      <p:sp>
+        <p:nvSpPr>
+          <p:cNvPr id="6" name="Symbol zastępczy numeru slajdu 5">
+            <a:extLst>
+              <a:ext uri="{FF2B5EF4-FFF2-40B4-BE49-F238E27FC236}">
+                <a16:creationId xmlns:a16="http://schemas.microsoft.com/office/drawing/2014/main" id="{E766C271-9F9E-F7A3-AAE6-752356A7085F}"/>
+              </a:ext>
+            </a:extLst>
+          </p:cNvPr>
+          <p:cNvSpPr>
+            <a:spLocks noGrp="1"/>
+          </p:cNvSpPr>
+          <p:nvPr>
+            <p:ph type="sldNum" sz="quarter" idx="17"/>
+          </p:nvPr>
+        </p:nvSpPr>
+        <p:spPr>
+          <a:xfrm>
+            <a:off x="18118800" y="12409200"/>
+            <a:ext cx="5688000" cy="738000"/>
+          </a:xfrm>
+        </p:spPr>
+        <p:txBody>
+          <a:bodyPr anchor="b">
+            <a:normAutofit/>
+          </a:bodyPr>
+          <a:lstStyle/>
+          <a:p>
+            <a:pPr>
+              <a:spcAft>
+                <a:spcPts val="600"/>
+              </a:spcAft>
+            </a:pPr>
+            <a:fld id="{A5081EEF-004A-4625-9A68-49D50C34D2A4}" type="slidenum">
+              <a:rPr lang="pl-PL" smtClean="0"/>
+              <a:pPr>
+                <a:spcAft>
+                  <a:spcPts val="600"/>
+                </a:spcAft>
+              </a:pPr>
+              <a:t>11</a:t>
+            </a:fld>
+            <a:endParaRPr lang="pl-PL"/>
+          </a:p>
+        </p:txBody>
+      </p:sp>
+      <p:pic>
+        <p:nvPicPr>
+          <p:cNvPr id="5122" name="Picture 2">
+            <a:extLst>
+              <a:ext uri="{FF2B5EF4-FFF2-40B4-BE49-F238E27FC236}">
+                <a16:creationId xmlns:a16="http://schemas.microsoft.com/office/drawing/2014/main" id="{DA362BBE-A492-AE0F-12E2-E17F2542A295}"/>
+              </a:ext>
+            </a:extLst>
+          </p:cNvPr>
+          <p:cNvPicPr>
+            <a:picLocks noChangeArrowheads="1"/>
+          </p:cNvPicPr>
+          <p:nvPr/>
+        </p:nvPicPr>
+        <p:blipFill>
+          <a:blip r:embed="rId2">
+            <a:extLst>
+              <a:ext uri="{28A0092B-C50C-407E-A947-70E740481C1C}">
+                <a14:useLocalDpi xmlns:a14="http://schemas.microsoft.com/office/drawing/2010/main" val="0"/>
+              </a:ext>
+            </a:extLst>
+          </a:blip>
+          <a:srcRect/>
+          <a:stretch/>
+        </p:blipFill>
+        <p:spPr bwMode="auto">
+          <a:xfrm>
+            <a:off x="7251231" y="2362262"/>
+            <a:ext cx="16191136" cy="8995075"/>
+          </a:xfrm>
+          <a:prstGeom prst="rect">
+            <a:avLst/>
+          </a:prstGeom>
+          <a:noFill/>
+          <a:extLst>
+            <a:ext uri="{909E8E84-426E-40DD-AFC4-6F175D3DCCD1}">
+              <a14:hiddenFill xmlns:a14="http://schemas.microsoft.com/office/drawing/2010/main">
+                <a:solidFill>
+                  <a:srgbClr val="FFFFFF"/>
+                </a:solidFill>
+              </a14:hiddenFill>
+            </a:ext>
+          </a:extLst>
+        </p:spPr>
+      </p:pic>
+      <p:sp>
+        <p:nvSpPr>
+          <p:cNvPr id="8" name="Tytuł 2">
+            <a:extLst>
+              <a:ext uri="{FF2B5EF4-FFF2-40B4-BE49-F238E27FC236}">
+                <a16:creationId xmlns:a16="http://schemas.microsoft.com/office/drawing/2014/main" id="{130630F6-35CA-8382-7C50-183A06088564}"/>
+              </a:ext>
+            </a:extLst>
+          </p:cNvPr>
+          <p:cNvSpPr>
+            <a:spLocks noGrp="1"/>
+          </p:cNvSpPr>
+          <p:nvPr>
+            <p:ph type="title"/>
+          </p:nvPr>
+        </p:nvSpPr>
+        <p:spPr>
+          <a:xfrm>
+            <a:off x="698400" y="5796000"/>
+            <a:ext cx="4856400" cy="2121646"/>
+          </a:xfrm>
+        </p:spPr>
+        <p:txBody>
+          <a:bodyPr anchor="b">
+            <a:noAutofit/>
+          </a:bodyPr>
+          <a:lstStyle/>
+          <a:p>
+            <a:r>
+              <a:rPr lang="pl-PL" dirty="0"/>
+              <a:t>Application </a:t>
+            </a:r>
+            <a:r>
+              <a:rPr lang="pl-PL" dirty="0" err="1"/>
+              <a:t>lifecycle</a:t>
+            </a:r>
+            <a:endParaRPr lang="pl-PL" dirty="0"/>
+          </a:p>
+        </p:txBody>
+      </p:sp>
+    </p:spTree>
+    <p:extLst>
+      <p:ext uri="{BB962C8B-B14F-4D97-AF65-F5344CB8AC3E}">
+        <p14:creationId xmlns:p14="http://schemas.microsoft.com/office/powerpoint/2010/main" val="1280551766"/>
+      </p:ext>
+    </p:extLst>
+  </p:cSld>
+  <p:clrMapOvr>
+    <a:masterClrMapping/>
+  </p:clrMapOvr>
+</p:sld>
+</file>
+
+<file path=ppt/slides/slide12.xml><?xml version="1.0" encoding="utf-8"?>
+<p:sld xmlns:a="http://schemas.openxmlformats.org/drawingml/2006/main" xmlns:r="http://schemas.openxmlformats.org/officeDocument/2006/relationships" xmlns:p="http://schemas.openxmlformats.org/presentationml/2006/main">
+  <p:cSld>
+    <p:spTree>
+      <p:nvGrpSpPr>
+        <p:cNvPr id="1" name=""/>
+        <p:cNvGrpSpPr/>
+        <p:nvPr/>
+      </p:nvGrpSpPr>
+      <p:grpSpPr>
+        <a:xfrm>
+          <a:off x="0" y="0"/>
+          <a:ext cx="0" cy="0"/>
+          <a:chOff x="0" y="0"/>
+          <a:chExt cx="0" cy="0"/>
+        </a:xfrm>
+      </p:grpSpPr>
+      <p:sp>
+        <p:nvSpPr>
           <p:cNvPr id="3" name="Tytuł 2">
             <a:extLst>
               <a:ext uri="{FF2B5EF4-FFF2-40B4-BE49-F238E27FC236}">
@@ -18889,7 +19165,7 @@
           <a:p>
             <a:fld id="{5D7D2D02-FF3B-48E0-9309-04F108A5B15B}" type="datetime1">
               <a:rPr lang="pl-PL" smtClean="0"/>
-              <a:t>10.02.2023</a:t>
+              <a:t>15.04.2023</a:t>
             </a:fld>
             <a:endParaRPr lang="pl-PL" dirty="0"/>
           </a:p>
@@ -18967,7 +19243,7 @@
             <a:fld id="{A5081EEF-004A-4625-9A68-49D50C34D2A4}" type="slidenum">
               <a:rPr lang="pl-PL" smtClean="0"/>
               <a:pPr/>
-              <a:t>11</a:t>
+              <a:t>12</a:t>
             </a:fld>
             <a:endParaRPr lang="pl-PL"/>
           </a:p>
@@ -20205,161 +20481,6 @@
 </p:sld>
 </file>
 
-<file path=ppt/slides/slide12.xml><?xml version="1.0" encoding="utf-8"?>
-<p:sld xmlns:a="http://schemas.openxmlformats.org/drawingml/2006/main" xmlns:r="http://schemas.openxmlformats.org/officeDocument/2006/relationships" xmlns:p="http://schemas.openxmlformats.org/presentationml/2006/main">
-  <p:cSld>
-    <p:spTree>
-      <p:nvGrpSpPr>
-        <p:cNvPr id="1" name=""/>
-        <p:cNvGrpSpPr/>
-        <p:nvPr/>
-      </p:nvGrpSpPr>
-      <p:grpSpPr>
-        <a:xfrm>
-          <a:off x="0" y="0"/>
-          <a:ext cx="0" cy="0"/>
-          <a:chOff x="0" y="0"/>
-          <a:chExt cx="0" cy="0"/>
-        </a:xfrm>
-      </p:grpSpPr>
-      <p:sp>
-        <p:nvSpPr>
-          <p:cNvPr id="7" name="Symbol zastępczy tekstu 6">
-            <a:extLst>
-              <a:ext uri="{FF2B5EF4-FFF2-40B4-BE49-F238E27FC236}">
-                <a16:creationId xmlns:a16="http://schemas.microsoft.com/office/drawing/2014/main" id="{4796D255-1ACA-362A-3AA0-71A0111C98B1}"/>
-              </a:ext>
-            </a:extLst>
-          </p:cNvPr>
-          <p:cNvSpPr>
-            <a:spLocks noGrp="1"/>
-          </p:cNvSpPr>
-          <p:nvPr>
-            <p:ph type="body" sz="quarter" idx="13"/>
-          </p:nvPr>
-        </p:nvSpPr>
-        <p:spPr/>
-        <p:txBody>
-          <a:bodyPr/>
-          <a:lstStyle/>
-          <a:p>
-            <a:r>
-              <a:rPr lang="pl-PL" dirty="0"/>
-              <a:t>Demo</a:t>
-            </a:r>
-          </a:p>
-        </p:txBody>
-      </p:sp>
-      <p:sp>
-        <p:nvSpPr>
-          <p:cNvPr id="4" name="Symbol zastępczy daty 3">
-            <a:extLst>
-              <a:ext uri="{FF2B5EF4-FFF2-40B4-BE49-F238E27FC236}">
-                <a16:creationId xmlns:a16="http://schemas.microsoft.com/office/drawing/2014/main" id="{56773552-E372-C0DC-D506-88481F5A1853}"/>
-              </a:ext>
-            </a:extLst>
-          </p:cNvPr>
-          <p:cNvSpPr>
-            <a:spLocks noGrp="1"/>
-          </p:cNvSpPr>
-          <p:nvPr>
-            <p:ph type="dt" sz="half" idx="14"/>
-          </p:nvPr>
-        </p:nvSpPr>
-        <p:spPr/>
-        <p:txBody>
-          <a:bodyPr/>
-          <a:lstStyle/>
-          <a:p>
-            <a:fld id="{5D7D2D02-FF3B-48E0-9309-04F108A5B15B}" type="datetime1">
-              <a:rPr lang="pl-PL" smtClean="0"/>
-              <a:t>10.02.2023</a:t>
-            </a:fld>
-            <a:endParaRPr lang="pl-PL" dirty="0"/>
-          </a:p>
-        </p:txBody>
-      </p:sp>
-      <p:sp>
-        <p:nvSpPr>
-          <p:cNvPr id="5" name="Symbol zastępczy stopki 4">
-            <a:extLst>
-              <a:ext uri="{FF2B5EF4-FFF2-40B4-BE49-F238E27FC236}">
-                <a16:creationId xmlns:a16="http://schemas.microsoft.com/office/drawing/2014/main" id="{1C82B597-1293-969C-488B-F25DF8D4E0F8}"/>
-              </a:ext>
-            </a:extLst>
-          </p:cNvPr>
-          <p:cNvSpPr>
-            <a:spLocks noGrp="1"/>
-          </p:cNvSpPr>
-          <p:nvPr>
-            <p:ph type="ftr" sz="quarter" idx="15"/>
-          </p:nvPr>
-        </p:nvSpPr>
-        <p:spPr/>
-        <p:txBody>
-          <a:bodyPr/>
-          <a:lstStyle/>
-          <a:p>
-            <a:r>
-              <a:rPr lang="en-US"/>
-              <a:t>Client name</a:t>
-            </a:r>
-            <a:br>
-              <a:rPr lang="pl-PL"/>
-            </a:br>
-            <a:r>
-              <a:rPr lang="en-US"/>
-              <a:t>Presentation title</a:t>
-            </a:r>
-          </a:p>
-          <a:p>
-            <a:endParaRPr lang="pl-PL" dirty="0"/>
-          </a:p>
-        </p:txBody>
-      </p:sp>
-      <p:sp>
-        <p:nvSpPr>
-          <p:cNvPr id="6" name="Symbol zastępczy numeru slajdu 5">
-            <a:extLst>
-              <a:ext uri="{FF2B5EF4-FFF2-40B4-BE49-F238E27FC236}">
-                <a16:creationId xmlns:a16="http://schemas.microsoft.com/office/drawing/2014/main" id="{6E2DE7DC-567A-3739-57B3-89B03C47B9F6}"/>
-              </a:ext>
-            </a:extLst>
-          </p:cNvPr>
-          <p:cNvSpPr>
-            <a:spLocks noGrp="1"/>
-          </p:cNvSpPr>
-          <p:nvPr>
-            <p:ph type="sldNum" sz="quarter" idx="16"/>
-          </p:nvPr>
-        </p:nvSpPr>
-        <p:spPr/>
-        <p:txBody>
-          <a:bodyPr/>
-          <a:lstStyle/>
-          <a:p>
-            <a:fld id="{A5081EEF-004A-4625-9A68-49D50C34D2A4}" type="slidenum">
-              <a:rPr lang="pl-PL" smtClean="0"/>
-              <a:pPr/>
-              <a:t>12</a:t>
-            </a:fld>
-            <a:endParaRPr lang="pl-PL"/>
-          </a:p>
-        </p:txBody>
-      </p:sp>
-    </p:spTree>
-    <p:extLst>
-      <p:ext uri="{BB962C8B-B14F-4D97-AF65-F5344CB8AC3E}">
-        <p14:creationId xmlns:p14="http://schemas.microsoft.com/office/powerpoint/2010/main" val="2950957075"/>
-      </p:ext>
-    </p:extLst>
-  </p:cSld>
-  <p:clrMapOvr>
-    <a:masterClrMapping/>
-  </p:clrMapOvr>
-</p:sld>
-</file>
-
 <file path=ppt/slides/slide13.xml><?xml version="1.0" encoding="utf-8"?>
 <p:sld xmlns:a="http://schemas.openxmlformats.org/drawingml/2006/main" xmlns:r="http://schemas.openxmlformats.org/officeDocument/2006/relationships" xmlns:p="http://schemas.openxmlformats.org/presentationml/2006/main">
   <p:cSld>
@@ -20468,7 +20589,15 @@
             </a:r>
             <a:r>
               <a:rPr lang="pl-PL" dirty="0"/>
-              <a:t> – not </a:t>
+              <a:t> </a:t>
+            </a:r>
+            <a:r>
+              <a:rPr lang="pl-PL" dirty="0" err="1"/>
+              <a:t>are</a:t>
+            </a:r>
+            <a:r>
+              <a:rPr lang="pl-PL" dirty="0"/>
+              <a:t> not </a:t>
             </a:r>
             <a:r>
               <a:rPr lang="pl-PL" dirty="0" err="1"/>
@@ -20476,30 +20605,42 @@
             </a:r>
             <a:r>
               <a:rPr lang="pl-PL" dirty="0"/>
-              <a:t>.</a:t>
+              <a:t> (</a:t>
+            </a:r>
+            <a:r>
+              <a:rPr lang="pl-PL" dirty="0" err="1">
+                <a:hlinkClick r:id="rId2"/>
+              </a:rPr>
+              <a:t>Planned</a:t>
+            </a:r>
+            <a:r>
+              <a:rPr lang="pl-PL" dirty="0">
+                <a:hlinkClick r:id="rId2"/>
+              </a:rPr>
+              <a:t> for </a:t>
+            </a:r>
+            <a:r>
+              <a:rPr lang="pl-PL" dirty="0" err="1">
+                <a:hlinkClick r:id="rId2"/>
+              </a:rPr>
+              <a:t>June</a:t>
+            </a:r>
+            <a:r>
+              <a:rPr lang="pl-PL" dirty="0">
+                <a:hlinkClick r:id="rId2"/>
+              </a:rPr>
+              <a:t> 2023</a:t>
+            </a:r>
+            <a:r>
+              <a:rPr lang="pl-PL" dirty="0"/>
+              <a:t>)</a:t>
             </a:r>
           </a:p>
           <a:p>
             <a:pPr lvl="1"/>
             <a:r>
-              <a:rPr lang="pl-PL" dirty="0"/>
-              <a:t>Pod – „</a:t>
-            </a:r>
-            <a:r>
-              <a:rPr lang="pl-PL" dirty="0" err="1">
-                <a:solidFill>
-                  <a:schemeClr val="accent5"/>
-                </a:solidFill>
-              </a:rPr>
-              <a:t>terminationGracePeriodSeconds</a:t>
-            </a:r>
-            <a:r>
-              <a:rPr lang="pl-PL" dirty="0"/>
-              <a:t>” </a:t>
-            </a:r>
-            <a:r>
               <a:rPr lang="pl-PL" dirty="0" err="1"/>
-              <a:t>has</a:t>
+              <a:t>Graceful</a:t>
             </a:r>
             <a:r>
               <a:rPr lang="pl-PL" dirty="0"/>
@@ -20507,7 +20648,7 @@
             </a:r>
             <a:r>
               <a:rPr lang="pl-PL" dirty="0" err="1"/>
-              <a:t>fixed</a:t>
+              <a:t>shutdown</a:t>
             </a:r>
             <a:r>
               <a:rPr lang="pl-PL" dirty="0"/>
@@ -20515,11 +20656,19 @@
             </a:r>
             <a:r>
               <a:rPr lang="pl-PL" dirty="0" err="1"/>
-              <a:t>value</a:t>
+              <a:t>duration</a:t>
             </a:r>
             <a:r>
               <a:rPr lang="pl-PL" dirty="0"/>
-              <a:t> of 30 </a:t>
+              <a:t> </a:t>
+            </a:r>
+            <a:r>
+              <a:rPr lang="pl-PL" dirty="0" err="1"/>
+              <a:t>is</a:t>
+            </a:r>
+            <a:r>
+              <a:rPr lang="pl-PL" dirty="0"/>
+              <a:t> set to 30 </a:t>
             </a:r>
             <a:r>
               <a:rPr lang="pl-PL" dirty="0" err="1"/>
@@ -20602,11 +20751,8 @@
             </a:r>
             <a:r>
               <a:rPr lang="pl-PL" dirty="0"/>
-              <a:t> – </a:t>
-            </a:r>
-            <a:br>
-              <a:rPr lang="pl-PL" dirty="0"/>
-            </a:br>
+              <a:t>, </a:t>
+            </a:r>
             <a:r>
               <a:rPr lang="pl-PL" dirty="0" err="1"/>
               <a:t>which</a:t>
@@ -20671,7 +20817,35 @@
             <a:pPr lvl="1"/>
             <a:r>
               <a:rPr lang="pl-PL" dirty="0"/>
-              <a:t>Max 2vCPU and 4GB RAM</a:t>
+              <a:t>Max 2vCPU/4GB RAM (</a:t>
+            </a:r>
+            <a:r>
+              <a:rPr lang="pl-PL" dirty="0" err="1">
+                <a:hlinkClick r:id="rId3"/>
+              </a:rPr>
+              <a:t>Up</a:t>
+            </a:r>
+            <a:r>
+              <a:rPr lang="pl-PL" dirty="0">
+                <a:hlinkClick r:id="rId3"/>
+              </a:rPr>
+              <a:t> to 16vCPU/128GB RAM in </a:t>
+            </a:r>
+            <a:r>
+              <a:rPr lang="pl-PL" dirty="0" err="1">
+                <a:hlinkClick r:id="rId3"/>
+              </a:rPr>
+              <a:t>Deticated</a:t>
+            </a:r>
+            <a:r>
+              <a:rPr lang="pl-PL" dirty="0">
+                <a:hlinkClick r:id="rId3"/>
+              </a:rPr>
+              <a:t> plan (Preview)</a:t>
+            </a:r>
+            <a:r>
+              <a:rPr lang="pl-PL" dirty="0"/>
+              <a:t>)</a:t>
             </a:r>
           </a:p>
           <a:p>
@@ -20801,7 +20975,7 @@
           <a:p>
             <a:fld id="{5D7D2D02-FF3B-48E0-9309-04F108A5B15B}" type="datetime1">
               <a:rPr lang="pl-PL" smtClean="0"/>
-              <a:t>10.02.2023</a:t>
+              <a:t>15.04.2023</a:t>
             </a:fld>
             <a:endParaRPr lang="pl-PL" dirty="0"/>
           </a:p>
@@ -20971,6 +21145,27 @@
             </a:r>
             <a:endParaRPr lang="pl-PL" dirty="0"/>
           </a:p>
+          <a:p>
+            <a:r>
+              <a:rPr lang="pl-PL" dirty="0" err="1">
+                <a:hlinkClick r:id="rId6"/>
+              </a:rPr>
+              <a:t>https</a:t>
+            </a:r>
+            <a:r>
+              <a:rPr lang="pl-PL" dirty="0">
+                <a:hlinkClick r:id="rId6"/>
+              </a:rPr>
+              <a:t>://</a:t>
+            </a:r>
+            <a:r>
+              <a:rPr lang="pl-PL" dirty="0" err="1">
+                <a:hlinkClick r:id="rId6"/>
+              </a:rPr>
+              <a:t>dapr.io</a:t>
+            </a:r>
+            <a:endParaRPr lang="pl-PL" dirty="0"/>
+          </a:p>
         </p:txBody>
       </p:sp>
       <p:sp>
@@ -21025,7 +21220,7 @@
           <a:p>
             <a:fld id="{5D7D2D02-FF3B-48E0-9309-04F108A5B15B}" type="datetime1">
               <a:rPr lang="pl-PL" smtClean="0"/>
-              <a:t>10.02.2023</a:t>
+              <a:t>15.04.2023</a:t>
             </a:fld>
             <a:endParaRPr lang="pl-PL" dirty="0"/>
           </a:p>
@@ -21298,7 +21493,7 @@
           <a:p>
             <a:fld id="{F6F0DBF2-4E3F-4307-827E-F931818B4557}" type="datetime1">
               <a:rPr lang="pl-PL" smtClean="0"/>
-              <a:t>10.02.2023</a:t>
+              <a:t>15.04.2023</a:t>
             </a:fld>
             <a:endParaRPr lang="pl-PL" dirty="0"/>
           </a:p>
@@ -21461,33 +21656,54 @@
       </p:grpSpPr>
       <p:sp>
         <p:nvSpPr>
-          <p:cNvPr id="7" name="Symbol zastępczy tekstu 6">
-            <a:extLst>
-              <a:ext uri="{FF2B5EF4-FFF2-40B4-BE49-F238E27FC236}">
-                <a16:creationId xmlns:a16="http://schemas.microsoft.com/office/drawing/2014/main" id="{B27482F2-3D30-0756-BA3B-F6CCD72F9CD6}"/>
-              </a:ext>
-            </a:extLst>
-          </p:cNvPr>
-          <p:cNvSpPr>
-            <a:spLocks noGrp="1"/>
-          </p:cNvSpPr>
-          <p:nvPr>
-            <p:ph type="body" sz="quarter" idx="25"/>
-          </p:nvPr>
-        </p:nvSpPr>
-        <p:spPr>
-          <a:xfrm>
-            <a:off x="2448319" y="3490337"/>
-            <a:ext cx="17225962" cy="1216439"/>
-          </a:xfrm>
-        </p:spPr>
+          <p:cNvPr id="3" name="Symbol zastępczy daty 2">
+            <a:extLst>
+              <a:ext uri="{FF2B5EF4-FFF2-40B4-BE49-F238E27FC236}">
+                <a16:creationId xmlns:a16="http://schemas.microsoft.com/office/drawing/2014/main" id="{E6175727-C1C0-3F80-1389-9CB7FEFD7745}"/>
+              </a:ext>
+            </a:extLst>
+          </p:cNvPr>
+          <p:cNvSpPr>
+            <a:spLocks noGrp="1"/>
+          </p:cNvSpPr>
+          <p:nvPr>
+            <p:ph type="dt" sz="half" idx="11"/>
+          </p:nvPr>
+        </p:nvSpPr>
+        <p:spPr/>
         <p:txBody>
           <a:bodyPr/>
           <a:lstStyle/>
           <a:p>
-            <a:pPr marL="0" indent="0">
-              <a:buNone/>
-            </a:pPr>
+            <a:fld id="{F6F0DBF2-4E3F-4307-827E-F931818B4557}" type="datetime1">
+              <a:rPr lang="pl-PL" smtClean="0"/>
+              <a:t>15.04.2023</a:t>
+            </a:fld>
+            <a:endParaRPr lang="pl-PL" dirty="0"/>
+          </a:p>
+        </p:txBody>
+      </p:sp>
+      <p:sp>
+        <p:nvSpPr>
+          <p:cNvPr id="4" name="Symbol zastępczy stopki 3">
+            <a:extLst>
+              <a:ext uri="{FF2B5EF4-FFF2-40B4-BE49-F238E27FC236}">
+                <a16:creationId xmlns:a16="http://schemas.microsoft.com/office/drawing/2014/main" id="{56F9AA97-6518-1747-976C-628A86B86DC4}"/>
+              </a:ext>
+            </a:extLst>
+          </p:cNvPr>
+          <p:cNvSpPr>
+            <a:spLocks noGrp="1"/>
+          </p:cNvSpPr>
+          <p:nvPr>
+            <p:ph type="ftr" sz="quarter" idx="12"/>
+          </p:nvPr>
+        </p:nvSpPr>
+        <p:spPr/>
+        <p:txBody>
+          <a:bodyPr/>
+          <a:lstStyle/>
+          <a:p>
             <a:r>
               <a:rPr lang="pl-PL" dirty="0" err="1"/>
               <a:t>Azure</a:t>
@@ -21498,7 +21714,7 @@
             </a:r>
             <a:r>
               <a:rPr lang="pl-PL" dirty="0" err="1"/>
-              <a:t>Container</a:t>
+              <a:t>container</a:t>
             </a:r>
             <a:r>
               <a:rPr lang="pl-PL" dirty="0"/>
@@ -21506,187 +21722,29 @@
             </a:r>
             <a:r>
               <a:rPr lang="pl-PL" dirty="0" err="1"/>
-              <a:t>Apps</a:t>
-            </a:r>
-            <a:r>
-              <a:rPr lang="pl-PL" dirty="0"/>
-              <a:t> </a:t>
-            </a:r>
-            <a:r>
-              <a:rPr lang="pl-PL" dirty="0" err="1"/>
-              <a:t>enables</a:t>
-            </a:r>
-            <a:r>
-              <a:rPr lang="pl-PL" dirty="0"/>
-              <a:t> </a:t>
-            </a:r>
-            <a:r>
-              <a:rPr lang="pl-PL" dirty="0" err="1"/>
-              <a:t>you</a:t>
-            </a:r>
-            <a:r>
-              <a:rPr lang="pl-PL" dirty="0"/>
-              <a:t> to run </a:t>
-            </a:r>
-            <a:r>
-              <a:rPr lang="pl-PL" dirty="0" err="1"/>
-              <a:t>microservices</a:t>
-            </a:r>
-            <a:r>
-              <a:rPr lang="pl-PL" dirty="0"/>
-              <a:t> and </a:t>
-            </a:r>
-            <a:r>
-              <a:rPr lang="pl-PL" dirty="0" err="1"/>
-              <a:t>containerized</a:t>
-            </a:r>
-            <a:r>
-              <a:rPr lang="pl-PL" dirty="0"/>
-              <a:t> </a:t>
-            </a:r>
-            <a:r>
-              <a:rPr lang="pl-PL" dirty="0" err="1"/>
-              <a:t>applications</a:t>
-            </a:r>
-            <a:r>
-              <a:rPr lang="pl-PL" dirty="0"/>
-              <a:t> on a </a:t>
-            </a:r>
-            <a:r>
-              <a:rPr lang="pl-PL" dirty="0" err="1"/>
-              <a:t>serverless</a:t>
-            </a:r>
-            <a:r>
-              <a:rPr lang="pl-PL" dirty="0"/>
-              <a:t> platform.</a:t>
-            </a:r>
-          </a:p>
-        </p:txBody>
-      </p:sp>
-      <p:sp>
-        <p:nvSpPr>
-          <p:cNvPr id="6" name="Tytuł 5">
-            <a:extLst>
-              <a:ext uri="{FF2B5EF4-FFF2-40B4-BE49-F238E27FC236}">
-                <a16:creationId xmlns:a16="http://schemas.microsoft.com/office/drawing/2014/main" id="{619D4239-DA4D-4C69-849C-2D883729A9F8}"/>
-              </a:ext>
-            </a:extLst>
-          </p:cNvPr>
-          <p:cNvSpPr>
-            <a:spLocks noGrp="1"/>
-          </p:cNvSpPr>
-          <p:nvPr>
-            <p:ph type="title"/>
-          </p:nvPr>
-        </p:nvSpPr>
-        <p:spPr>
-          <a:xfrm>
-            <a:off x="2448319" y="1726506"/>
-            <a:ext cx="15824699" cy="1220798"/>
-          </a:xfrm>
-        </p:spPr>
-        <p:txBody>
-          <a:bodyPr>
-            <a:normAutofit/>
-          </a:bodyPr>
-          <a:lstStyle/>
-          <a:p>
-            <a:r>
-              <a:rPr lang="pl-PL" dirty="0" err="1"/>
-              <a:t>Overview</a:t>
-            </a:r>
+              <a:t>apps</a:t>
+            </a:r>
+            <a:endParaRPr lang="en-US" dirty="0"/>
+          </a:p>
+          <a:p>
             <a:endParaRPr lang="pl-PL" dirty="0"/>
           </a:p>
         </p:txBody>
       </p:sp>
       <p:sp>
         <p:nvSpPr>
-          <p:cNvPr id="3" name="Symbol zastępczy daty 2">
-            <a:extLst>
-              <a:ext uri="{FF2B5EF4-FFF2-40B4-BE49-F238E27FC236}">
-                <a16:creationId xmlns:a16="http://schemas.microsoft.com/office/drawing/2014/main" id="{E0E2128C-E1C1-FB7A-FFA8-4F554333EB13}"/>
-              </a:ext>
-            </a:extLst>
-          </p:cNvPr>
-          <p:cNvSpPr>
-            <a:spLocks noGrp="1"/>
-          </p:cNvSpPr>
-          <p:nvPr>
-            <p:ph type="dt" sz="half" idx="26"/>
-          </p:nvPr>
-        </p:nvSpPr>
-        <p:spPr/>
-        <p:txBody>
-          <a:bodyPr/>
-          <a:lstStyle/>
-          <a:p>
-            <a:fld id="{F6F0DBF2-4E3F-4307-827E-F931818B4557}" type="datetime1">
-              <a:rPr lang="pl-PL" smtClean="0"/>
-              <a:t>10.02.2023</a:t>
-            </a:fld>
-            <a:endParaRPr lang="pl-PL" dirty="0"/>
-          </a:p>
-        </p:txBody>
-      </p:sp>
-      <p:sp>
-        <p:nvSpPr>
-          <p:cNvPr id="4" name="Symbol zastępczy stopki 3">
-            <a:extLst>
-              <a:ext uri="{FF2B5EF4-FFF2-40B4-BE49-F238E27FC236}">
-                <a16:creationId xmlns:a16="http://schemas.microsoft.com/office/drawing/2014/main" id="{ECEDF2CB-629B-017A-7B84-29A5E5EEC9F5}"/>
-              </a:ext>
-            </a:extLst>
-          </p:cNvPr>
-          <p:cNvSpPr>
-            <a:spLocks noGrp="1"/>
-          </p:cNvSpPr>
-          <p:nvPr>
-            <p:ph type="ftr" sz="quarter" idx="27"/>
-          </p:nvPr>
-        </p:nvSpPr>
-        <p:spPr/>
-        <p:txBody>
-          <a:bodyPr/>
-          <a:lstStyle/>
-          <a:p>
-            <a:r>
-              <a:rPr lang="pl-PL" dirty="0" err="1"/>
-              <a:t>Azure</a:t>
-            </a:r>
-            <a:r>
-              <a:rPr lang="pl-PL" dirty="0"/>
-              <a:t> </a:t>
-            </a:r>
-            <a:r>
-              <a:rPr lang="pl-PL" dirty="0" err="1"/>
-              <a:t>container</a:t>
-            </a:r>
-            <a:r>
-              <a:rPr lang="pl-PL" dirty="0"/>
-              <a:t> </a:t>
-            </a:r>
-            <a:r>
-              <a:rPr lang="pl-PL" dirty="0" err="1"/>
-              <a:t>apps</a:t>
-            </a:r>
-            <a:endParaRPr lang="en-US" dirty="0"/>
-          </a:p>
-        </p:txBody>
-      </p:sp>
-      <p:sp>
-        <p:nvSpPr>
           <p:cNvPr id="5" name="Symbol zastępczy numeru slajdu 4">
             <a:extLst>
               <a:ext uri="{FF2B5EF4-FFF2-40B4-BE49-F238E27FC236}">
-                <a16:creationId xmlns:a16="http://schemas.microsoft.com/office/drawing/2014/main" id="{37E66D90-ACE5-FB8E-8655-8A0192D16C88}"/>
-              </a:ext>
-            </a:extLst>
-          </p:cNvPr>
-          <p:cNvSpPr>
-            <a:spLocks noGrp="1"/>
-          </p:cNvSpPr>
-          <p:nvPr>
-            <p:ph type="sldNum" sz="quarter" idx="28"/>
+                <a16:creationId xmlns:a16="http://schemas.microsoft.com/office/drawing/2014/main" id="{D2EE946C-9C02-7CC9-B4A4-B13990C4680E}"/>
+              </a:ext>
+            </a:extLst>
+          </p:cNvPr>
+          <p:cNvSpPr>
+            <a:spLocks noGrp="1"/>
+          </p:cNvSpPr>
+          <p:nvPr>
+            <p:ph type="sldNum" sz="quarter" idx="13"/>
           </p:nvPr>
         </p:nvSpPr>
         <p:spPr/>
@@ -21705,66 +21763,256 @@
       </p:sp>
       <p:pic>
         <p:nvPicPr>
-          <p:cNvPr id="2050" name="Picture 2" descr="Example scenarios for Azure Container Apps.">
-            <a:extLst>
-              <a:ext uri="{FF2B5EF4-FFF2-40B4-BE49-F238E27FC236}">
-                <a16:creationId xmlns:a16="http://schemas.microsoft.com/office/drawing/2014/main" id="{00DBFE14-2CF3-E0F3-AF8F-4BB4AF5C15A4}"/>
+          <p:cNvPr id="12" name="Obraz 11">
+            <a:extLst>
+              <a:ext uri="{FF2B5EF4-FFF2-40B4-BE49-F238E27FC236}">
+                <a16:creationId xmlns:a16="http://schemas.microsoft.com/office/drawing/2014/main" id="{5295EE1F-5320-7063-8750-739C410C7CB3}"/>
               </a:ext>
             </a:extLst>
           </p:cNvPr>
           <p:cNvPicPr>
-            <a:picLocks noChangeAspect="1" noChangeArrowheads="1"/>
+            <a:picLocks noChangeAspect="1"/>
           </p:cNvPicPr>
           <p:nvPr/>
         </p:nvPicPr>
         <p:blipFill>
-          <a:blip r:embed="rId2">
-            <a:extLst>
-              <a:ext uri="{28A0092B-C50C-407E-A947-70E740481C1C}">
-                <a14:useLocalDpi xmlns:a14="http://schemas.microsoft.com/office/drawing/2010/main" val="0"/>
-              </a:ext>
-            </a:extLst>
-          </a:blip>
-          <a:srcRect/>
+          <a:blip r:embed="rId2"/>
           <a:stretch>
             <a:fillRect/>
           </a:stretch>
         </p:blipFill>
-        <p:spPr bwMode="auto">
+        <p:spPr>
           <a:xfrm>
-            <a:off x="2448319" y="4706776"/>
-            <a:ext cx="15824698" cy="7833226"/>
+            <a:off x="5405357" y="2018909"/>
+            <a:ext cx="13044850" cy="6722774"/>
           </a:xfrm>
           <a:prstGeom prst="rect">
             <a:avLst/>
           </a:prstGeom>
-          <a:noFill/>
-          <a:extLst>
-            <a:ext uri="{909E8E84-426E-40DD-AFC4-6F175D3DCCD1}">
-              <a14:hiddenFill xmlns:a14="http://schemas.microsoft.com/office/drawing/2010/main">
-                <a:solidFill>
-                  <a:srgbClr val="FFFFFF"/>
-                </a:solidFill>
-              </a14:hiddenFill>
-            </a:ext>
-          </a:extLst>
+        </p:spPr>
+      </p:pic>
+      <p:pic>
+        <p:nvPicPr>
+          <p:cNvPr id="13" name="Obraz 12">
+            <a:extLst>
+              <a:ext uri="{FF2B5EF4-FFF2-40B4-BE49-F238E27FC236}">
+                <a16:creationId xmlns:a16="http://schemas.microsoft.com/office/drawing/2014/main" id="{6CF2A211-092C-ABF3-BAE0-F44FC200B9BC}"/>
+              </a:ext>
+            </a:extLst>
+          </p:cNvPr>
+          <p:cNvPicPr>
+            <a:picLocks noChangeAspect="1"/>
+          </p:cNvPicPr>
+          <p:nvPr/>
+        </p:nvPicPr>
+        <p:blipFill>
+          <a:blip r:embed="rId3"/>
+          <a:stretch>
+            <a:fillRect/>
+          </a:stretch>
+        </p:blipFill>
+        <p:spPr>
+          <a:xfrm>
+            <a:off x="5405357" y="8764420"/>
+            <a:ext cx="13044850" cy="2982952"/>
+          </a:xfrm>
+          <a:prstGeom prst="rect">
+            <a:avLst/>
+          </a:prstGeom>
+        </p:spPr>
+      </p:pic>
+      <p:pic>
+        <p:nvPicPr>
+          <p:cNvPr id="14" name="Obraz 13">
+            <a:extLst>
+              <a:ext uri="{FF2B5EF4-FFF2-40B4-BE49-F238E27FC236}">
+                <a16:creationId xmlns:a16="http://schemas.microsoft.com/office/drawing/2014/main" id="{C648E1C5-D712-7783-2229-8DE74D1EC7FD}"/>
+              </a:ext>
+            </a:extLst>
+          </p:cNvPr>
+          <p:cNvPicPr>
+            <a:picLocks noChangeAspect="1"/>
+          </p:cNvPicPr>
+          <p:nvPr/>
+        </p:nvPicPr>
+        <p:blipFill>
+          <a:blip r:embed="rId4"/>
+          <a:stretch>
+            <a:fillRect/>
+          </a:stretch>
+        </p:blipFill>
+        <p:spPr>
+          <a:xfrm>
+            <a:off x="5680546" y="9072597"/>
+            <a:ext cx="2242039" cy="2366597"/>
+          </a:xfrm>
+          <a:prstGeom prst="rect">
+            <a:avLst/>
+          </a:prstGeom>
         </p:spPr>
       </p:pic>
     </p:spTree>
     <p:extLst>
       <p:ext uri="{BB962C8B-B14F-4D97-AF65-F5344CB8AC3E}">
-        <p14:creationId xmlns:p14="http://schemas.microsoft.com/office/powerpoint/2010/main" val="794986815"/>
+        <p14:creationId xmlns:p14="http://schemas.microsoft.com/office/powerpoint/2010/main" val="2557109595"/>
       </p:ext>
     </p:extLst>
   </p:cSld>
   <p:clrMapOvr>
     <a:masterClrMapping/>
   </p:clrMapOvr>
+  <p:timing>
+    <p:tnLst>
+      <p:par>
+        <p:cTn id="1" dur="indefinite" restart="never" nodeType="tmRoot">
+          <p:childTnLst>
+            <p:seq concurrent="1" nextAc="seek">
+              <p:cTn id="2" dur="indefinite" nodeType="mainSeq">
+                <p:childTnLst>
+                  <p:par>
+                    <p:cTn id="3" fill="hold">
+                      <p:stCondLst>
+                        <p:cond delay="indefinite"/>
+                      </p:stCondLst>
+                      <p:childTnLst>
+                        <p:par>
+                          <p:cTn id="4" fill="hold">
+                            <p:stCondLst>
+                              <p:cond delay="0"/>
+                            </p:stCondLst>
+                            <p:childTnLst>
+                              <p:par>
+                                <p:cTn id="5" presetID="1" presetClass="entr" presetSubtype="0" fill="hold" nodeType="clickEffect">
+                                  <p:stCondLst>
+                                    <p:cond delay="0"/>
+                                  </p:stCondLst>
+                                  <p:childTnLst>
+                                    <p:set>
+                                      <p:cBhvr>
+                                        <p:cTn id="6" dur="1" fill="hold">
+                                          <p:stCondLst>
+                                            <p:cond delay="0"/>
+                                          </p:stCondLst>
+                                        </p:cTn>
+                                        <p:tgtEl>
+                                          <p:spTgt spid="13"/>
+                                        </p:tgtEl>
+                                        <p:attrNameLst>
+                                          <p:attrName>style.visibility</p:attrName>
+                                        </p:attrNameLst>
+                                      </p:cBhvr>
+                                      <p:to>
+                                        <p:strVal val="visible"/>
+                                      </p:to>
+                                    </p:set>
+                                  </p:childTnLst>
+                                </p:cTn>
+                              </p:par>
+                            </p:childTnLst>
+                          </p:cTn>
+                        </p:par>
+                      </p:childTnLst>
+                    </p:cTn>
+                  </p:par>
+                  <p:par>
+                    <p:cTn id="7" fill="hold">
+                      <p:stCondLst>
+                        <p:cond delay="indefinite"/>
+                      </p:stCondLst>
+                      <p:childTnLst>
+                        <p:par>
+                          <p:cTn id="8" fill="hold">
+                            <p:stCondLst>
+                              <p:cond delay="0"/>
+                            </p:stCondLst>
+                            <p:childTnLst>
+                              <p:par>
+                                <p:cTn id="9" presetID="1" presetClass="entr" presetSubtype="0" fill="hold" nodeType="clickEffect">
+                                  <p:stCondLst>
+                                    <p:cond delay="0"/>
+                                  </p:stCondLst>
+                                  <p:childTnLst>
+                                    <p:set>
+                                      <p:cBhvr>
+                                        <p:cTn id="10" dur="1" fill="hold">
+                                          <p:stCondLst>
+                                            <p:cond delay="0"/>
+                                          </p:stCondLst>
+                                        </p:cTn>
+                                        <p:tgtEl>
+                                          <p:spTgt spid="14"/>
+                                        </p:tgtEl>
+                                        <p:attrNameLst>
+                                          <p:attrName>style.visibility</p:attrName>
+                                        </p:attrNameLst>
+                                      </p:cBhvr>
+                                      <p:to>
+                                        <p:strVal val="visible"/>
+                                      </p:to>
+                                    </p:set>
+                                  </p:childTnLst>
+                                </p:cTn>
+                              </p:par>
+                              <p:par>
+                                <p:cTn id="11" presetID="1" presetClass="entr" presetSubtype="0" fill="hold" nodeType="withEffect">
+                                  <p:stCondLst>
+                                    <p:cond delay="0"/>
+                                  </p:stCondLst>
+                                  <p:childTnLst>
+                                    <p:set>
+                                      <p:cBhvr>
+                                        <p:cTn id="12" dur="1" fill="hold">
+                                          <p:stCondLst>
+                                            <p:cond delay="0"/>
+                                          </p:stCondLst>
+                                        </p:cTn>
+                                        <p:tgtEl>
+                                          <p:spTgt spid="12"/>
+                                        </p:tgtEl>
+                                        <p:attrNameLst>
+                                          <p:attrName>style.visibility</p:attrName>
+                                        </p:attrNameLst>
+                                      </p:cBhvr>
+                                      <p:to>
+                                        <p:strVal val="visible"/>
+                                      </p:to>
+                                    </p:set>
+                                  </p:childTnLst>
+                                </p:cTn>
+                              </p:par>
+                            </p:childTnLst>
+                          </p:cTn>
+                        </p:par>
+                      </p:childTnLst>
+                    </p:cTn>
+                  </p:par>
+                </p:childTnLst>
+              </p:cTn>
+              <p:prevCondLst>
+                <p:cond evt="onPrev" delay="0">
+                  <p:tgtEl>
+                    <p:sldTgt/>
+                  </p:tgtEl>
+                </p:cond>
+              </p:prevCondLst>
+              <p:nextCondLst>
+                <p:cond evt="onNext" delay="0">
+                  <p:tgtEl>
+                    <p:sldTgt/>
+                  </p:tgtEl>
+                </p:cond>
+              </p:nextCondLst>
+            </p:seq>
+          </p:childTnLst>
+        </p:cTn>
+      </p:par>
+    </p:tnLst>
+  </p:timing>
 </p:sld>
 </file>
 
 <file path=ppt/slides/slide4.xml><?xml version="1.0" encoding="utf-8"?>
-<p:sld xmlns:a="http://schemas.openxmlformats.org/drawingml/2006/main" xmlns:r="http://schemas.openxmlformats.org/officeDocument/2006/relationships" xmlns:p="http://schemas.openxmlformats.org/presentationml/2006/main">
+<p:sld xmlns:a="http://schemas.openxmlformats.org/drawingml/2006/main" xmlns:r="http://schemas.openxmlformats.org/officeDocument/2006/relationships" xmlns:p="http://schemas.openxmlformats.org/presentationml/2006/main" show="0">
   <p:cSld>
     <p:spTree>
       <p:nvGrpSpPr>
@@ -22033,7 +22281,7 @@
           <a:p>
             <a:fld id="{5D7D2D02-FF3B-48E0-9309-04F108A5B15B}" type="datetime1">
               <a:rPr lang="pl-PL" smtClean="0"/>
-              <a:t>10.02.2023</a:t>
+              <a:t>15.04.2023</a:t>
             </a:fld>
             <a:endParaRPr lang="pl-PL" dirty="0"/>
           </a:p>
@@ -22529,7 +22777,7 @@
                   <a:spcPts val="600"/>
                 </a:spcAft>
               </a:pPr>
-              <a:t>10.02.2023</a:t>
+              <a:t>15.04.2023</a:t>
             </a:fld>
             <a:endParaRPr lang="pl-PL"/>
           </a:p>
@@ -22767,7 +23015,7 @@
                   <a:spcPts val="600"/>
                 </a:spcAft>
               </a:pPr>
-              <a:t>10.02.2023</a:t>
+              <a:t>15.04.2023</a:t>
             </a:fld>
             <a:endParaRPr lang="pl-PL"/>
           </a:p>
@@ -23058,7 +23306,7 @@
                   <a:spcPts val="600"/>
                 </a:spcAft>
               </a:pPr>
-              <a:t>10.02.2023</a:t>
+              <a:t>15.04.2023</a:t>
             </a:fld>
             <a:endParaRPr lang="pl-PL"/>
           </a:p>
@@ -23310,50 +23558,27 @@
           <p:cNvPr id="4" name="Symbol zastępczy daty 3">
             <a:extLst>
               <a:ext uri="{FF2B5EF4-FFF2-40B4-BE49-F238E27FC236}">
-                <a16:creationId xmlns:a16="http://schemas.microsoft.com/office/drawing/2014/main" id="{3B38A024-4954-9CBD-C820-13946D33B995}"/>
-              </a:ext>
-            </a:extLst>
-          </p:cNvPr>
-          <p:cNvSpPr>
-            <a:spLocks noGrp="1"/>
-          </p:cNvSpPr>
-          <p:nvPr>
-            <p:ph type="dt" sz="half" idx="15"/>
-          </p:nvPr>
-        </p:nvSpPr>
-        <p:spPr>
-          <a:xfrm>
-            <a:off x="22690800" y="583200"/>
-            <a:ext cx="1072800" cy="201600"/>
-          </a:xfrm>
-        </p:spPr>
-        <p:txBody>
-          <a:bodyPr anchor="t">
-            <a:normAutofit/>
-          </a:bodyPr>
-          <a:lstStyle/>
-          <a:p>
-            <a:pPr>
-              <a:lnSpc>
-                <a:spcPct val="90000"/>
-              </a:lnSpc>
-              <a:spcAft>
-                <a:spcPts val="600"/>
-              </a:spcAft>
-            </a:pPr>
+                <a16:creationId xmlns:a16="http://schemas.microsoft.com/office/drawing/2014/main" id="{56773552-E372-C0DC-D506-88481F5A1853}"/>
+              </a:ext>
+            </a:extLst>
+          </p:cNvPr>
+          <p:cNvSpPr>
+            <a:spLocks noGrp="1"/>
+          </p:cNvSpPr>
+          <p:nvPr>
+            <p:ph type="dt" sz="half" idx="14"/>
+          </p:nvPr>
+        </p:nvSpPr>
+        <p:spPr/>
+        <p:txBody>
+          <a:bodyPr/>
+          <a:lstStyle/>
+          <a:p>
             <a:fld id="{5D7D2D02-FF3B-48E0-9309-04F108A5B15B}" type="datetime1">
               <a:rPr lang="pl-PL" smtClean="0"/>
-              <a:pPr>
-                <a:lnSpc>
-                  <a:spcPct val="90000"/>
-                </a:lnSpc>
-                <a:spcAft>
-                  <a:spcPts val="600"/>
-                </a:spcAft>
-              </a:pPr>
-              <a:t>10.02.2023</a:t>
+              <a:t>15.04.2023</a:t>
             </a:fld>
-            <a:endParaRPr lang="pl-PL"/>
+            <a:endParaRPr lang="pl-PL" dirty="0"/>
           </a:p>
         </p:txBody>
       </p:sp>
@@ -23362,27 +23587,20 @@
           <p:cNvPr id="5" name="Symbol zastępczy stopki 4">
             <a:extLst>
               <a:ext uri="{FF2B5EF4-FFF2-40B4-BE49-F238E27FC236}">
-                <a16:creationId xmlns:a16="http://schemas.microsoft.com/office/drawing/2014/main" id="{E4F06D55-7C30-A5A3-C527-2D67CAAC2A58}"/>
-              </a:ext>
-            </a:extLst>
-          </p:cNvPr>
-          <p:cNvSpPr>
-            <a:spLocks noGrp="1"/>
-          </p:cNvSpPr>
-          <p:nvPr>
-            <p:ph type="ftr" sz="quarter" idx="16"/>
-          </p:nvPr>
-        </p:nvSpPr>
-        <p:spPr>
-          <a:xfrm>
-            <a:off x="6707782" y="583200"/>
-            <a:ext cx="10440000" cy="432000"/>
-          </a:xfrm>
-        </p:spPr>
-        <p:txBody>
-          <a:bodyPr anchor="t">
-            <a:normAutofit/>
-          </a:bodyPr>
+                <a16:creationId xmlns:a16="http://schemas.microsoft.com/office/drawing/2014/main" id="{1C82B597-1293-969C-488B-F25DF8D4E0F8}"/>
+              </a:ext>
+            </a:extLst>
+          </p:cNvPr>
+          <p:cNvSpPr>
+            <a:spLocks noGrp="1"/>
+          </p:cNvSpPr>
+          <p:nvPr>
+            <p:ph type="ftr" sz="quarter" idx="15"/>
+          </p:nvPr>
+        </p:nvSpPr>
+        <p:spPr/>
+        <p:txBody>
+          <a:bodyPr/>
           <a:lstStyle/>
           <a:p>
             <a:r>
@@ -23408,14 +23626,6 @@
             <a:endParaRPr lang="en-US" dirty="0"/>
           </a:p>
           <a:p>
-            <a:pPr>
-              <a:lnSpc>
-                <a:spcPct val="90000"/>
-              </a:lnSpc>
-              <a:spcAft>
-                <a:spcPts val="600"/>
-              </a:spcAft>
-            </a:pPr>
             <a:endParaRPr lang="pl-PL" dirty="0"/>
           </a:p>
         </p:txBody>
@@ -23425,41 +23635,25 @@
           <p:cNvPr id="6" name="Symbol zastępczy numeru slajdu 5">
             <a:extLst>
               <a:ext uri="{FF2B5EF4-FFF2-40B4-BE49-F238E27FC236}">
-                <a16:creationId xmlns:a16="http://schemas.microsoft.com/office/drawing/2014/main" id="{E766C271-9F9E-F7A3-AAE6-752356A7085F}"/>
-              </a:ext>
-            </a:extLst>
-          </p:cNvPr>
-          <p:cNvSpPr>
-            <a:spLocks noGrp="1"/>
-          </p:cNvSpPr>
-          <p:nvPr>
-            <p:ph type="sldNum" sz="quarter" idx="17"/>
-          </p:nvPr>
-        </p:nvSpPr>
-        <p:spPr>
-          <a:xfrm>
-            <a:off x="18118800" y="12409200"/>
-            <a:ext cx="5688000" cy="738000"/>
-          </a:xfrm>
-        </p:spPr>
-        <p:txBody>
-          <a:bodyPr anchor="b">
-            <a:normAutofit/>
-          </a:bodyPr>
-          <a:lstStyle/>
-          <a:p>
-            <a:pPr>
-              <a:spcAft>
-                <a:spcPts val="600"/>
-              </a:spcAft>
-            </a:pPr>
+                <a16:creationId xmlns:a16="http://schemas.microsoft.com/office/drawing/2014/main" id="{6E2DE7DC-567A-3739-57B3-89B03C47B9F6}"/>
+              </a:ext>
+            </a:extLst>
+          </p:cNvPr>
+          <p:cNvSpPr>
+            <a:spLocks noGrp="1"/>
+          </p:cNvSpPr>
+          <p:nvPr>
+            <p:ph type="sldNum" sz="quarter" idx="16"/>
+          </p:nvPr>
+        </p:nvSpPr>
+        <p:spPr/>
+        <p:txBody>
+          <a:bodyPr/>
+          <a:lstStyle/>
+          <a:p>
             <a:fld id="{A5081EEF-004A-4625-9A68-49D50C34D2A4}" type="slidenum">
               <a:rPr lang="pl-PL" smtClean="0"/>
-              <a:pPr>
-                <a:spcAft>
-                  <a:spcPts val="600"/>
-                </a:spcAft>
-              </a:pPr>
+              <a:pPr/>
               <a:t>8</a:t>
             </a:fld>
             <a:endParaRPr lang="pl-PL"/>
@@ -23468,93 +23662,38 @@
       </p:sp>
       <p:pic>
         <p:nvPicPr>
-          <p:cNvPr id="5122" name="Picture 2">
-            <a:extLst>
-              <a:ext uri="{FF2B5EF4-FFF2-40B4-BE49-F238E27FC236}">
-                <a16:creationId xmlns:a16="http://schemas.microsoft.com/office/drawing/2014/main" id="{DA362BBE-A492-AE0F-12E2-E17F2542A295}"/>
+          <p:cNvPr id="2" name="Obraz 1">
+            <a:extLst>
+              <a:ext uri="{FF2B5EF4-FFF2-40B4-BE49-F238E27FC236}">
+                <a16:creationId xmlns:a16="http://schemas.microsoft.com/office/drawing/2014/main" id="{BA43FDA6-35E4-20EB-B1AF-A6F8DCF7B70C}"/>
               </a:ext>
             </a:extLst>
           </p:cNvPr>
           <p:cNvPicPr>
-            <a:picLocks noChangeArrowheads="1"/>
+            <a:picLocks noChangeAspect="1"/>
           </p:cNvPicPr>
           <p:nvPr/>
         </p:nvPicPr>
         <p:blipFill>
-          <a:blip r:embed="rId2">
-            <a:extLst>
-              <a:ext uri="{28A0092B-C50C-407E-A947-70E740481C1C}">
-                <a14:useLocalDpi xmlns:a14="http://schemas.microsoft.com/office/drawing/2010/main" val="0"/>
-              </a:ext>
-            </a:extLst>
-          </a:blip>
-          <a:srcRect/>
-          <a:stretch/>
+          <a:blip r:embed="rId2"/>
+          <a:stretch>
+            <a:fillRect/>
+          </a:stretch>
         </p:blipFill>
-        <p:spPr bwMode="auto">
+        <p:spPr>
           <a:xfrm>
-            <a:off x="7251231" y="2362262"/>
-            <a:ext cx="16191137" cy="8995076"/>
+            <a:off x="4920702" y="2457311"/>
+            <a:ext cx="12880050" cy="9548410"/>
           </a:xfrm>
           <a:prstGeom prst="rect">
             <a:avLst/>
           </a:prstGeom>
-          <a:noFill/>
-          <a:extLst>
-            <a:ext uri="{909E8E84-426E-40DD-AFC4-6F175D3DCCD1}">
-              <a14:hiddenFill xmlns:a14="http://schemas.microsoft.com/office/drawing/2010/main">
-                <a:solidFill>
-                  <a:srgbClr val="FFFFFF"/>
-                </a:solidFill>
-              </a14:hiddenFill>
-            </a:ext>
-          </a:extLst>
         </p:spPr>
       </p:pic>
-      <p:sp>
-        <p:nvSpPr>
-          <p:cNvPr id="8" name="Tytuł 2">
-            <a:extLst>
-              <a:ext uri="{FF2B5EF4-FFF2-40B4-BE49-F238E27FC236}">
-                <a16:creationId xmlns:a16="http://schemas.microsoft.com/office/drawing/2014/main" id="{130630F6-35CA-8382-7C50-183A06088564}"/>
-              </a:ext>
-            </a:extLst>
-          </p:cNvPr>
-          <p:cNvSpPr>
-            <a:spLocks noGrp="1"/>
-          </p:cNvSpPr>
-          <p:nvPr>
-            <p:ph type="title"/>
-          </p:nvPr>
-        </p:nvSpPr>
-        <p:spPr>
-          <a:xfrm>
-            <a:off x="698400" y="5796000"/>
-            <a:ext cx="4856400" cy="2121646"/>
-          </a:xfrm>
-        </p:spPr>
-        <p:txBody>
-          <a:bodyPr anchor="b">
-            <a:noAutofit/>
-          </a:bodyPr>
-          <a:lstStyle/>
-          <a:p>
-            <a:r>
-              <a:rPr lang="pl-PL" dirty="0"/>
-              <a:t>Application </a:t>
-            </a:r>
-            <a:r>
-              <a:rPr lang="pl-PL" dirty="0" err="1"/>
-              <a:t>lifecycle</a:t>
-            </a:r>
-            <a:endParaRPr lang="pl-PL" dirty="0"/>
-          </a:p>
-        </p:txBody>
-      </p:sp>
     </p:spTree>
     <p:extLst>
       <p:ext uri="{BB962C8B-B14F-4D97-AF65-F5344CB8AC3E}">
-        <p14:creationId xmlns:p14="http://schemas.microsoft.com/office/powerpoint/2010/main" val="566139675"/>
+        <p14:creationId xmlns:p14="http://schemas.microsoft.com/office/powerpoint/2010/main" val="2950957075"/>
       </p:ext>
     </p:extLst>
   </p:cSld>
@@ -23627,7 +23766,7 @@
                   <a:spcPts val="600"/>
                 </a:spcAft>
               </a:pPr>
-              <a:t>10.02.2023</a:t>
+              <a:t>15.04.2023</a:t>
             </a:fld>
             <a:endParaRPr lang="pl-PL"/>
           </a:p>
@@ -23770,7 +23909,7 @@
         <p:spPr bwMode="auto">
           <a:xfrm>
             <a:off x="7251231" y="2362262"/>
-            <a:ext cx="16191136" cy="8995076"/>
+            <a:ext cx="16191137" cy="8995076"/>
           </a:xfrm>
           <a:prstGeom prst="rect">
             <a:avLst/>
@@ -23830,7 +23969,7 @@
     </p:spTree>
     <p:extLst>
       <p:ext uri="{BB962C8B-B14F-4D97-AF65-F5344CB8AC3E}">
-        <p14:creationId xmlns:p14="http://schemas.microsoft.com/office/powerpoint/2010/main" val="2316189571"/>
+        <p14:creationId xmlns:p14="http://schemas.microsoft.com/office/powerpoint/2010/main" val="566139675"/>
       </p:ext>
     </p:extLst>
   </p:cSld>
@@ -26013,6 +26152,12 @@
 </file>
 
 <file path=customXml/item1.xml><?xml version="1.0" encoding="utf-8"?>
+<p:properties xmlns:p="http://schemas.microsoft.com/office/2006/metadata/properties" xmlns:xsi="http://www.w3.org/2001/XMLSchema-instance" xmlns:pc="http://schemas.microsoft.com/office/infopath/2007/PartnerControls">
+  <documentManagement/>
+</p:properties>
+</file>
+
+<file path=customXml/item2.xml><?xml version="1.0" encoding="utf-8"?>
 <ct:contentTypeSchema xmlns:ct="http://schemas.microsoft.com/office/2006/metadata/contentType" xmlns:ma="http://schemas.microsoft.com/office/2006/metadata/properties/metaAttributes" ct:_="" ma:_="" ma:contentTypeName="Document" ma:contentTypeID="0x01010071BFFD6BAB88954C946029590D25FC6A" ma:contentTypeVersion="2" ma:contentTypeDescription="Create a new document." ma:contentTypeScope="" ma:versionID="b768a5abf8371b1b64fb095db92c013b">
   <xsd:schema xmlns:xsd="http://www.w3.org/2001/XMLSchema" xmlns:xs="http://www.w3.org/2001/XMLSchema" xmlns:p="http://schemas.microsoft.com/office/2006/metadata/properties" xmlns:ns2="4f252f83-fd57-46d4-8838-b6a9449af741" targetNamespace="http://schemas.microsoft.com/office/2006/metadata/properties" ma:root="true" ma:fieldsID="c0a6b54bcd54448ad935f0e767aa6c00" ns2:_="">
     <xsd:import namespace="4f252f83-fd57-46d4-8838-b6a9449af741"/>
@@ -26144,12 +26289,6 @@
 </ct:contentTypeSchema>
 </file>
 
-<file path=customXml/item2.xml><?xml version="1.0" encoding="utf-8"?>
-<p:properties xmlns:p="http://schemas.microsoft.com/office/2006/metadata/properties" xmlns:xsi="http://www.w3.org/2001/XMLSchema-instance" xmlns:pc="http://schemas.microsoft.com/office/infopath/2007/PartnerControls">
-  <documentManagement/>
-</p:properties>
-</file>
-
 <file path=customXml/item3.xml><?xml version="1.0" encoding="utf-8"?>
 <?mso-contentType ?>
 <FormTemplates xmlns="http://schemas.microsoft.com/sharepoint/v3/contenttype/forms">
@@ -26160,6 +26299,22 @@
 </file>
 
 <file path=customXml/itemProps1.xml><?xml version="1.0" encoding="utf-8"?>
+<ds:datastoreItem xmlns:ds="http://schemas.openxmlformats.org/officeDocument/2006/customXml" ds:itemID="{72FB6B13-EC21-4521-B05D-84AF9D91A43C}">
+  <ds:schemaRefs>
+    <ds:schemaRef ds:uri="http://purl.org/dc/elements/1.1/"/>
+    <ds:schemaRef ds:uri="http://schemas.microsoft.com/office/2006/documentManagement/types"/>
+    <ds:schemaRef ds:uri="http://schemas.microsoft.com/office/infopath/2007/PartnerControls"/>
+    <ds:schemaRef ds:uri="http://purl.org/dc/dcmitype/"/>
+    <ds:schemaRef ds:uri="4f252f83-fd57-46d4-8838-b6a9449af741"/>
+    <ds:schemaRef ds:uri="http://purl.org/dc/terms/"/>
+    <ds:schemaRef ds:uri="http://schemas.openxmlformats.org/package/2006/metadata/core-properties"/>
+    <ds:schemaRef ds:uri="http://schemas.microsoft.com/office/2006/metadata/properties"/>
+    <ds:schemaRef ds:uri="http://www.w3.org/XML/1998/namespace"/>
+  </ds:schemaRefs>
+</ds:datastoreItem>
+</file>
+
+<file path=customXml/itemProps2.xml><?xml version="1.0" encoding="utf-8"?>
 <ds:datastoreItem xmlns:ds="http://schemas.openxmlformats.org/officeDocument/2006/customXml" ds:itemID="{18E2EFA0-3407-4D1C-A212-2EF7B7B2511D}">
   <ds:schemaRefs>
     <ds:schemaRef ds:uri="http://schemas.microsoft.com/office/2006/metadata/contentType"/>
@@ -26177,22 +26332,6 @@
 </ds:datastoreItem>
 </file>
 
-<file path=customXml/itemProps2.xml><?xml version="1.0" encoding="utf-8"?>
-<ds:datastoreItem xmlns:ds="http://schemas.openxmlformats.org/officeDocument/2006/customXml" ds:itemID="{72FB6B13-EC21-4521-B05D-84AF9D91A43C}">
-  <ds:schemaRefs>
-    <ds:schemaRef ds:uri="http://purl.org/dc/elements/1.1/"/>
-    <ds:schemaRef ds:uri="http://schemas.microsoft.com/office/2006/documentManagement/types"/>
-    <ds:schemaRef ds:uri="http://schemas.microsoft.com/office/infopath/2007/PartnerControls"/>
-    <ds:schemaRef ds:uri="http://purl.org/dc/dcmitype/"/>
-    <ds:schemaRef ds:uri="4f252f83-fd57-46d4-8838-b6a9449af741"/>
-    <ds:schemaRef ds:uri="http://purl.org/dc/terms/"/>
-    <ds:schemaRef ds:uri="http://schemas.openxmlformats.org/package/2006/metadata/core-properties"/>
-    <ds:schemaRef ds:uri="http://schemas.microsoft.com/office/2006/metadata/properties"/>
-    <ds:schemaRef ds:uri="http://www.w3.org/XML/1998/namespace"/>
-  </ds:schemaRefs>
-</ds:datastoreItem>
-</file>
-
 <file path=customXml/itemProps3.xml><?xml version="1.0" encoding="utf-8"?>
 <ds:datastoreItem xmlns:ds="http://schemas.openxmlformats.org/officeDocument/2006/customXml" ds:itemID="{435E67FA-EE0C-4352-9E9B-41A333B06419}">
   <ds:schemaRefs>
